--- a/hatten/Conclusion.pptx
+++ b/hatten/Conclusion.pptx
@@ -8,7 +8,7 @@
     <p:notesMasterId r:id="rId4"/>
   </p:notesMasterIdLst>
   <p:sldIdLst>
-    <p:sldId id="391" r:id="rId2"/>
+    <p:sldId id="409" r:id="rId2"/>
     <p:sldId id="408" r:id="rId3"/>
   </p:sldIdLst>
   <p:sldSz cx="12192000" cy="6858000"/>
@@ -113,7 +113,7 @@
       <p14:sectionLst xmlns:p14="http://schemas.microsoft.com/office/powerpoint/2010/main">
         <p14:section name="既定のセクション" id="{5691F220-FB97-5F4A-ABB5-5DB2C9E85607}">
           <p14:sldIdLst>
-            <p14:sldId id="391"/>
+            <p14:sldId id="409"/>
             <p14:sldId id="408"/>
           </p14:sldIdLst>
         </p14:section>
@@ -126,12 +126,32 @@
 </p:presentation>
 </file>
 
-<file path=ppt/revisionInfo.xml><?xml version="1.0" encoding="utf-8"?>
-<p1510:revInfo xmlns:a="http://schemas.openxmlformats.org/drawingml/2006/main" xmlns:r="http://schemas.openxmlformats.org/officeDocument/2006/relationships" xmlns:p1510="http://schemas.microsoft.com/office/powerpoint/2015/10/main">
-  <p1510:revLst>
-    <p1510:client id="{5566DFB7-7EF4-4F25-BF3A-34BB468D85B0}" v="1" dt="2023-01-23T17:03:39.621"/>
-  </p1510:revLst>
-</p1510:revInfo>
+<file path=ppt/changesInfos/changesInfo1.xml><?xml version="1.0" encoding="utf-8"?>
+<pc:chgInfo xmlns:a="http://schemas.openxmlformats.org/drawingml/2006/main" xmlns:r="http://schemas.openxmlformats.org/officeDocument/2006/relationships" xmlns:ac="http://schemas.microsoft.com/office/drawing/2013/main/command" xmlns:pc="http://schemas.microsoft.com/office/powerpoint/2013/main/command">
+  <pc:docChgLst>
+    <pc:chgData name="hirose taichi" userId="ed2dc4b0-8795-4813-ada8-f41a239e7d7d" providerId="ADAL" clId="{5611119F-AE72-4B68-9169-BFD19A14C2AE}"/>
+    <pc:docChg chg="addSld delSld modSection">
+      <pc:chgData name="hirose taichi" userId="ed2dc4b0-8795-4813-ada8-f41a239e7d7d" providerId="ADAL" clId="{5611119F-AE72-4B68-9169-BFD19A14C2AE}" dt="2023-02-02T03:09:39.333" v="1" actId="47"/>
+      <pc:docMkLst>
+        <pc:docMk/>
+      </pc:docMkLst>
+      <pc:sldChg chg="del">
+        <pc:chgData name="hirose taichi" userId="ed2dc4b0-8795-4813-ada8-f41a239e7d7d" providerId="ADAL" clId="{5611119F-AE72-4B68-9169-BFD19A14C2AE}" dt="2023-02-02T03:09:39.333" v="1" actId="47"/>
+        <pc:sldMkLst>
+          <pc:docMk/>
+          <pc:sldMk cId="2131231909" sldId="391"/>
+        </pc:sldMkLst>
+      </pc:sldChg>
+      <pc:sldChg chg="new">
+        <pc:chgData name="hirose taichi" userId="ed2dc4b0-8795-4813-ada8-f41a239e7d7d" providerId="ADAL" clId="{5611119F-AE72-4B68-9169-BFD19A14C2AE}" dt="2023-02-02T03:09:37.055" v="0" actId="680"/>
+        <pc:sldMkLst>
+          <pc:docMk/>
+          <pc:sldMk cId="947198160" sldId="409"/>
+        </pc:sldMkLst>
+      </pc:sldChg>
+    </pc:docChg>
+  </pc:docChgLst>
+</pc:chgInfo>
 </file>
 
 <file path=ppt/notesMasters/notesMaster1.xml><?xml version="1.0" encoding="utf-8"?>
@@ -216,7 +236,7 @@
           <a:p>
             <a:fld id="{5186C602-ADD5-904C-8024-0435CAED47E2}" type="datetimeFigureOut">
               <a:rPr kumimoji="1" lang="ja-JP" altLang="en-US" smtClean="0"/>
-              <a:t>2023/1/24</a:t>
+              <a:t>2023/2/2</a:t>
             </a:fld>
             <a:endParaRPr kumimoji="1" lang="ja-JP" altLang="en-US"/>
           </a:p>
@@ -534,90 +554,6 @@
           <a:bodyPr/>
           <a:lstStyle/>
           <a:p>
-            <a:endParaRPr kumimoji="1" lang="ja-JP" altLang="en-US"/>
-          </a:p>
-        </p:txBody>
-      </p:sp>
-      <p:sp>
-        <p:nvSpPr>
-          <p:cNvPr id="4" name="スライド番号プレースホルダー 3"/>
-          <p:cNvSpPr>
-            <a:spLocks noGrp="1"/>
-          </p:cNvSpPr>
-          <p:nvPr>
-            <p:ph type="sldNum" sz="quarter" idx="5"/>
-          </p:nvPr>
-        </p:nvSpPr>
-        <p:spPr/>
-        <p:txBody>
-          <a:bodyPr/>
-          <a:lstStyle/>
-          <a:p>
-            <a:fld id="{5FB7981C-FA40-F348-8BD1-6FCF5195A4F2}" type="slidenum">
-              <a:rPr kumimoji="1" lang="ja-JP" altLang="en-US" smtClean="0"/>
-              <a:t>0</a:t>
-            </a:fld>
-            <a:endParaRPr kumimoji="1" lang="ja-JP" altLang="en-US"/>
-          </a:p>
-        </p:txBody>
-      </p:sp>
-    </p:spTree>
-    <p:extLst>
-      <p:ext uri="{BB962C8B-B14F-4D97-AF65-F5344CB8AC3E}">
-        <p14:creationId xmlns:p14="http://schemas.microsoft.com/office/powerpoint/2010/main" val="3263436419"/>
-      </p:ext>
-    </p:extLst>
-  </p:cSld>
-  <p:clrMapOvr>
-    <a:masterClrMapping/>
-  </p:clrMapOvr>
-</p:notes>
-</file>
-
-<file path=ppt/notesSlides/notesSlide2.xml><?xml version="1.0" encoding="utf-8"?>
-<p:notes xmlns:a="http://schemas.openxmlformats.org/drawingml/2006/main" xmlns:r="http://schemas.openxmlformats.org/officeDocument/2006/relationships" xmlns:p="http://schemas.openxmlformats.org/presentationml/2006/main">
-  <p:cSld>
-    <p:spTree>
-      <p:nvGrpSpPr>
-        <p:cNvPr id="1" name=""/>
-        <p:cNvGrpSpPr/>
-        <p:nvPr/>
-      </p:nvGrpSpPr>
-      <p:grpSpPr>
-        <a:xfrm>
-          <a:off x="0" y="0"/>
-          <a:ext cx="0" cy="0"/>
-          <a:chOff x="0" y="0"/>
-          <a:chExt cx="0" cy="0"/>
-        </a:xfrm>
-      </p:grpSpPr>
-      <p:sp>
-        <p:nvSpPr>
-          <p:cNvPr id="2" name="スライド イメージ プレースホルダー 1"/>
-          <p:cNvSpPr>
-            <a:spLocks noGrp="1" noRot="1" noChangeAspect="1"/>
-          </p:cNvSpPr>
-          <p:nvPr>
-            <p:ph type="sldImg"/>
-          </p:nvPr>
-        </p:nvSpPr>
-        <p:spPr/>
-      </p:sp>
-      <p:sp>
-        <p:nvSpPr>
-          <p:cNvPr id="3" name="ノート プレースホルダー 2"/>
-          <p:cNvSpPr>
-            <a:spLocks noGrp="1"/>
-          </p:cNvSpPr>
-          <p:nvPr>
-            <p:ph type="body" idx="1"/>
-          </p:nvPr>
-        </p:nvSpPr>
-        <p:spPr/>
-        <p:txBody>
-          <a:bodyPr/>
-          <a:lstStyle/>
-          <a:p>
             <a:endParaRPr kumimoji="1" lang="ja-JP" altLang="en-US" dirty="0"/>
           </a:p>
         </p:txBody>
@@ -753,7 +689,7 @@
           </a:lstStyle>
           <a:p>
             <a:r>
-              <a:rPr kumimoji="1" lang="ja-JP" altLang="en-US"/>
+              <a:rPr kumimoji="1" lang="ja-JP" altLang="en-US" dirty="0"/>
               <a:t>マスター サブタイトルの書式設定</a:t>
             </a:r>
           </a:p>
@@ -872,12 +808,66 @@
               <a:t>九大 太郎</a:t>
             </a:r>
           </a:p>
-          <a:p>
-            <a:pPr lvl="0"/>
-            <a:endParaRPr kumimoji="1" lang="ja-JP" altLang="en-US" dirty="0"/>
-          </a:p>
         </p:txBody>
       </p:sp>
+      <p:pic>
+        <p:nvPicPr>
+          <p:cNvPr id="2" name="図 1" descr="テキスト&#10;&#10;中程度の精度で自動的に生成された説明">
+            <a:extLst>
+              <a:ext uri="{FF2B5EF4-FFF2-40B4-BE49-F238E27FC236}">
+                <a16:creationId xmlns:a16="http://schemas.microsoft.com/office/drawing/2014/main" id="{12952742-F4C5-ADED-701C-CEE3ABC65ACB}"/>
+              </a:ext>
+            </a:extLst>
+          </p:cNvPr>
+          <p:cNvPicPr>
+            <a:picLocks noChangeAspect="1"/>
+          </p:cNvPicPr>
+          <p:nvPr userDrawn="1"/>
+        </p:nvPicPr>
+        <p:blipFill rotWithShape="1">
+          <a:blip r:embed="rId2"/>
+          <a:srcRect l="3150" t="21620" r="5248" b="10860"/>
+          <a:stretch/>
+        </p:blipFill>
+        <p:spPr>
+          <a:xfrm>
+            <a:off x="672175" y="5920109"/>
+            <a:ext cx="2364786" cy="644193"/>
+          </a:xfrm>
+          <a:prstGeom prst="rect">
+            <a:avLst/>
+          </a:prstGeom>
+        </p:spPr>
+      </p:pic>
+      <p:pic>
+        <p:nvPicPr>
+          <p:cNvPr id="5" name="図 4">
+            <a:extLst>
+              <a:ext uri="{FF2B5EF4-FFF2-40B4-BE49-F238E27FC236}">
+                <a16:creationId xmlns:a16="http://schemas.microsoft.com/office/drawing/2014/main" id="{126BFCEF-67A4-D924-B9DD-C400A543B6CF}"/>
+              </a:ext>
+            </a:extLst>
+          </p:cNvPr>
+          <p:cNvPicPr>
+            <a:picLocks noChangeAspect="1"/>
+          </p:cNvPicPr>
+          <p:nvPr userDrawn="1"/>
+        </p:nvPicPr>
+        <p:blipFill rotWithShape="1">
+          <a:blip r:embed="rId3"/>
+          <a:srcRect r="18477" b="-2166"/>
+          <a:stretch/>
+        </p:blipFill>
+        <p:spPr>
+          <a:xfrm>
+            <a:off x="9136617" y="5864855"/>
+            <a:ext cx="2364786" cy="721143"/>
+          </a:xfrm>
+          <a:prstGeom prst="rect">
+            <a:avLst/>
+          </a:prstGeom>
+        </p:spPr>
+      </p:pic>
     </p:spTree>
     <p:extLst>
       <p:ext uri="{BB962C8B-B14F-4D97-AF65-F5344CB8AC3E}">
@@ -966,8 +956,48 @@
                 </a:solidFill>
               </a:defRPr>
             </a:lvl1pPr>
+            <a:lvl2pPr>
+              <a:lnSpc>
+                <a:spcPct val="150000"/>
+              </a:lnSpc>
+              <a:defRPr>
+                <a:solidFill>
+                  <a:schemeClr val="tx1">
+                    <a:lumMod val="75000"/>
+                    <a:lumOff val="25000"/>
+                  </a:schemeClr>
+                </a:solidFill>
+              </a:defRPr>
+            </a:lvl2pPr>
+            <a:lvl3pPr>
+              <a:lnSpc>
+                <a:spcPct val="150000"/>
+              </a:lnSpc>
+              <a:defRPr>
+                <a:solidFill>
+                  <a:schemeClr val="tx1">
+                    <a:lumMod val="75000"/>
+                    <a:lumOff val="25000"/>
+                  </a:schemeClr>
+                </a:solidFill>
+              </a:defRPr>
+            </a:lvl3pPr>
+            <a:lvl4pPr>
+              <a:lnSpc>
+                <a:spcPct val="150000"/>
+              </a:lnSpc>
+              <a:defRPr>
+                <a:solidFill>
+                  <a:schemeClr val="tx1">
+                    <a:lumMod val="75000"/>
+                    <a:lumOff val="25000"/>
+                  </a:schemeClr>
+                </a:solidFill>
+              </a:defRPr>
+            </a:lvl4pPr>
           </a:lstStyle>
           <a:p>
+            <a:pPr lvl="0"/>
             <a:r>
               <a:rPr kumimoji="1" lang="ja-JP" altLang="en-US" dirty="0"/>
               <a:t>マスター テキストの書式設定
@@ -1259,6 +1289,36 @@
           </a:p>
         </p:txBody>
       </p:sp>
+      <p:pic>
+        <p:nvPicPr>
+          <p:cNvPr id="2" name="図 1">
+            <a:extLst>
+              <a:ext uri="{FF2B5EF4-FFF2-40B4-BE49-F238E27FC236}">
+                <a16:creationId xmlns:a16="http://schemas.microsoft.com/office/drawing/2014/main" id="{B3C30F95-639E-22EB-FA66-82077E6AC3CE}"/>
+              </a:ext>
+            </a:extLst>
+          </p:cNvPr>
+          <p:cNvPicPr>
+            <a:picLocks noChangeAspect="1"/>
+          </p:cNvPicPr>
+          <p:nvPr userDrawn="1"/>
+        </p:nvPicPr>
+        <p:blipFill>
+          <a:blip r:embed="rId2"/>
+          <a:stretch>
+            <a:fillRect/>
+          </a:stretch>
+        </p:blipFill>
+        <p:spPr>
+          <a:xfrm>
+            <a:off x="488948" y="6361887"/>
+            <a:ext cx="1387047" cy="397508"/>
+          </a:xfrm>
+          <a:prstGeom prst="rect">
+            <a:avLst/>
+          </a:prstGeom>
+        </p:spPr>
+      </p:pic>
     </p:spTree>
     <p:extLst>
       <p:ext uri="{BB962C8B-B14F-4D97-AF65-F5344CB8AC3E}">
@@ -1284,203 +1344,6 @@
 </file>
 
 <file path=ppt/slideLayouts/slideLayout3.xml><?xml version="1.0" encoding="utf-8"?>
-<p:sldLayout xmlns:a="http://schemas.openxmlformats.org/drawingml/2006/main" xmlns:r="http://schemas.openxmlformats.org/officeDocument/2006/relationships" xmlns:p="http://schemas.openxmlformats.org/presentationml/2006/main" preserve="1" userDrawn="1">
-  <p:cSld name="白紙＃あり">
-    <p:bg>
-      <p:bgPr>
-        <a:solidFill>
-          <a:schemeClr val="bg1"/>
-        </a:solidFill>
-        <a:effectLst/>
-      </p:bgPr>
-    </p:bg>
-    <p:spTree>
-      <p:nvGrpSpPr>
-        <p:cNvPr id="1" name=""/>
-        <p:cNvGrpSpPr/>
-        <p:nvPr/>
-      </p:nvGrpSpPr>
-      <p:grpSpPr>
-        <a:xfrm>
-          <a:off x="0" y="0"/>
-          <a:ext cx="0" cy="0"/>
-          <a:chOff x="0" y="0"/>
-          <a:chExt cx="0" cy="0"/>
-        </a:xfrm>
-      </p:grpSpPr>
-      <p:sp>
-        <p:nvSpPr>
-          <p:cNvPr id="14" name="スライド番号プレースホルダー 5">
-            <a:extLst>
-              <a:ext uri="{FF2B5EF4-FFF2-40B4-BE49-F238E27FC236}">
-                <a16:creationId xmlns:a16="http://schemas.microsoft.com/office/drawing/2014/main" id="{E681D316-4110-4E76-92AF-A49EC031D4C6}"/>
-              </a:ext>
-            </a:extLst>
-          </p:cNvPr>
-          <p:cNvSpPr txBox="1">
-            <a:spLocks/>
-          </p:cNvSpPr>
-          <p:nvPr userDrawn="1"/>
-        </p:nvSpPr>
-        <p:spPr>
-          <a:xfrm>
-            <a:off x="10675332" y="6302196"/>
-            <a:ext cx="1027231" cy="457200"/>
-          </a:xfrm>
-          <a:prstGeom prst="rect">
-            <a:avLst/>
-          </a:prstGeom>
-          <a:noFill/>
-        </p:spPr>
-        <p:txBody>
-          <a:bodyPr vert="horz" lIns="91440" tIns="45720" rIns="91440" bIns="45720" rtlCol="0" anchor="b"/>
-          <a:lstStyle>
-            <a:defPPr>
-              <a:defRPr lang="ja-JP"/>
-            </a:defPPr>
-            <a:lvl1pPr marL="0" algn="ctr" defTabSz="914400" rtl="0" eaLnBrk="1" latinLnBrk="0" hangingPunct="1">
-              <a:defRPr kumimoji="1" sz="1200" b="0" i="0" kern="1200">
-                <a:solidFill>
-                  <a:schemeClr val="tx1"/>
-                </a:solidFill>
-                <a:latin typeface="Myriad Pro" panose="020B0503030403020204" pitchFamily="34" charset="0"/>
-                <a:ea typeface="FOT-UDKakugo_Small Pr6 R" panose="02020400000000000000" pitchFamily="18" charset="-128"/>
-                <a:cs typeface="+mn-cs"/>
-              </a:defRPr>
-            </a:lvl1pPr>
-            <a:lvl2pPr marL="457200" algn="l" defTabSz="914400" rtl="0" eaLnBrk="1" latinLnBrk="0" hangingPunct="1">
-              <a:defRPr kumimoji="1" sz="1800" kern="1200">
-                <a:solidFill>
-                  <a:schemeClr val="tx1"/>
-                </a:solidFill>
-                <a:latin typeface="+mn-lt"/>
-                <a:ea typeface="+mn-ea"/>
-                <a:cs typeface="+mn-cs"/>
-              </a:defRPr>
-            </a:lvl2pPr>
-            <a:lvl3pPr marL="914400" algn="l" defTabSz="914400" rtl="0" eaLnBrk="1" latinLnBrk="0" hangingPunct="1">
-              <a:defRPr kumimoji="1" sz="1800" kern="1200">
-                <a:solidFill>
-                  <a:schemeClr val="tx1"/>
-                </a:solidFill>
-                <a:latin typeface="+mn-lt"/>
-                <a:ea typeface="+mn-ea"/>
-                <a:cs typeface="+mn-cs"/>
-              </a:defRPr>
-            </a:lvl3pPr>
-            <a:lvl4pPr marL="1371600" algn="l" defTabSz="914400" rtl="0" eaLnBrk="1" latinLnBrk="0" hangingPunct="1">
-              <a:defRPr kumimoji="1" sz="1800" kern="1200">
-                <a:solidFill>
-                  <a:schemeClr val="tx1"/>
-                </a:solidFill>
-                <a:latin typeface="+mn-lt"/>
-                <a:ea typeface="+mn-ea"/>
-                <a:cs typeface="+mn-cs"/>
-              </a:defRPr>
-            </a:lvl4pPr>
-            <a:lvl5pPr marL="1828800" algn="l" defTabSz="914400" rtl="0" eaLnBrk="1" latinLnBrk="0" hangingPunct="1">
-              <a:defRPr kumimoji="1" sz="1800" kern="1200">
-                <a:solidFill>
-                  <a:schemeClr val="tx1"/>
-                </a:solidFill>
-                <a:latin typeface="+mn-lt"/>
-                <a:ea typeface="+mn-ea"/>
-                <a:cs typeface="+mn-cs"/>
-              </a:defRPr>
-            </a:lvl5pPr>
-            <a:lvl6pPr marL="2286000" algn="l" defTabSz="914400" rtl="0" eaLnBrk="1" latinLnBrk="0" hangingPunct="1">
-              <a:defRPr kumimoji="1" sz="1800" kern="1200">
-                <a:solidFill>
-                  <a:schemeClr val="tx1"/>
-                </a:solidFill>
-                <a:latin typeface="+mn-lt"/>
-                <a:ea typeface="+mn-ea"/>
-                <a:cs typeface="+mn-cs"/>
-              </a:defRPr>
-            </a:lvl6pPr>
-            <a:lvl7pPr marL="2743200" algn="l" defTabSz="914400" rtl="0" eaLnBrk="1" latinLnBrk="0" hangingPunct="1">
-              <a:defRPr kumimoji="1" sz="1800" kern="1200">
-                <a:solidFill>
-                  <a:schemeClr val="tx1"/>
-                </a:solidFill>
-                <a:latin typeface="+mn-lt"/>
-                <a:ea typeface="+mn-ea"/>
-                <a:cs typeface="+mn-cs"/>
-              </a:defRPr>
-            </a:lvl7pPr>
-            <a:lvl8pPr marL="3200400" algn="l" defTabSz="914400" rtl="0" eaLnBrk="1" latinLnBrk="0" hangingPunct="1">
-              <a:defRPr kumimoji="1" sz="1800" kern="1200">
-                <a:solidFill>
-                  <a:schemeClr val="tx1"/>
-                </a:solidFill>
-                <a:latin typeface="+mn-lt"/>
-                <a:ea typeface="+mn-ea"/>
-                <a:cs typeface="+mn-cs"/>
-              </a:defRPr>
-            </a:lvl8pPr>
-            <a:lvl9pPr marL="3657600" algn="l" defTabSz="914400" rtl="0" eaLnBrk="1" latinLnBrk="0" hangingPunct="1">
-              <a:defRPr kumimoji="1" sz="1800" kern="1200">
-                <a:solidFill>
-                  <a:schemeClr val="tx1"/>
-                </a:solidFill>
-                <a:latin typeface="+mn-lt"/>
-                <a:ea typeface="+mn-ea"/>
-                <a:cs typeface="+mn-cs"/>
-              </a:defRPr>
-            </a:lvl9pPr>
-          </a:lstStyle>
-          <a:p>
-            <a:pPr algn="r"/>
-            <a:fld id="{36E1F464-8D8C-DA48-8FE9-90F060746768}" type="slidenum">
-              <a:rPr lang="ja-JP" altLang="en-US" sz="1800" b="1" smtClean="0">
-                <a:solidFill>
-                  <a:schemeClr val="tx1">
-                    <a:lumMod val="75000"/>
-                    <a:lumOff val="25000"/>
-                  </a:schemeClr>
-                </a:solidFill>
-                <a:latin typeface="+mj-lt"/>
-              </a:rPr>
-              <a:pPr algn="r"/>
-              <a:t>‹#›</a:t>
-            </a:fld>
-            <a:endParaRPr lang="ja-JP" altLang="en-US" sz="1800" b="1" dirty="0">
-              <a:solidFill>
-                <a:schemeClr val="tx1">
-                  <a:lumMod val="75000"/>
-                  <a:lumOff val="25000"/>
-                </a:schemeClr>
-              </a:solidFill>
-              <a:latin typeface="+mj-lt"/>
-            </a:endParaRPr>
-          </a:p>
-        </p:txBody>
-      </p:sp>
-    </p:spTree>
-    <p:extLst>
-      <p:ext uri="{BB962C8B-B14F-4D97-AF65-F5344CB8AC3E}">
-        <p14:creationId xmlns:p14="http://schemas.microsoft.com/office/powerpoint/2010/main" val="285286843"/>
-      </p:ext>
-    </p:extLst>
-  </p:cSld>
-  <p:clrMapOvr>
-    <a:masterClrMapping/>
-  </p:clrMapOvr>
-  <p:extLst>
-    <p:ext uri="{DCECCB84-F9BA-43D5-87BE-67443E8EF086}">
-      <p15:sldGuideLst xmlns:p15="http://schemas.microsoft.com/office/powerpoint/2012/main">
-        <p15:guide id="1" pos="302">
-          <p15:clr>
-            <a:srgbClr val="F26B43"/>
-          </p15:clr>
-        </p15:guide>
-      </p15:sldGuideLst>
-    </p:ext>
-  </p:extLst>
-</p:sldLayout>
-</file>
-
-<file path=ppt/slideLayouts/slideLayout4.xml><?xml version="1.0" encoding="utf-8"?>
 <p:sldLayout xmlns:a="http://schemas.openxmlformats.org/drawingml/2006/main" xmlns:r="http://schemas.openxmlformats.org/officeDocument/2006/relationships" xmlns:p="http://schemas.openxmlformats.org/presentationml/2006/main" preserve="1" userDrawn="1">
   <p:cSld name="2_タイトルとコンテンツ（＃なし）">
     <p:bg>
@@ -1550,8 +1413,35 @@
                 </a:solidFill>
               </a:defRPr>
             </a:lvl1pPr>
+            <a:lvl2pPr>
+              <a:lnSpc>
+                <a:spcPct val="150000"/>
+              </a:lnSpc>
+              <a:defRPr>
+                <a:solidFill>
+                  <a:schemeClr val="tx1">
+                    <a:lumMod val="75000"/>
+                    <a:lumOff val="25000"/>
+                  </a:schemeClr>
+                </a:solidFill>
+              </a:defRPr>
+            </a:lvl2pPr>
+            <a:lvl3pPr>
+              <a:lnSpc>
+                <a:spcPct val="150000"/>
+              </a:lnSpc>
+              <a:defRPr>
+                <a:solidFill>
+                  <a:schemeClr val="tx1">
+                    <a:lumMod val="75000"/>
+                    <a:lumOff val="25000"/>
+                  </a:schemeClr>
+                </a:solidFill>
+              </a:defRPr>
+            </a:lvl3pPr>
           </a:lstStyle>
           <a:p>
+            <a:pPr lvl="0"/>
             <a:r>
               <a:rPr kumimoji="1" lang="ja-JP" altLang="en-US" dirty="0"/>
               <a:t>マスター テキストの書式設定
@@ -1671,12 +1561,12 @@
         </p:spPr>
         <p:txBody>
           <a:bodyPr anchor="b">
-            <a:normAutofit/>
+            <a:noAutofit/>
           </a:bodyPr>
           <a:lstStyle>
             <a:lvl1pPr marL="0" indent="0" algn="l">
               <a:buNone/>
-              <a:defRPr sz="1800" b="1">
+              <a:defRPr sz="2000" b="1">
                 <a:solidFill>
                   <a:schemeClr val="tx1">
                     <a:lumMod val="75000"/>
@@ -1695,59 +1585,40 @@
           </a:p>
         </p:txBody>
       </p:sp>
+      <p:pic>
+        <p:nvPicPr>
+          <p:cNvPr id="2" name="図 1">
+            <a:extLst>
+              <a:ext uri="{FF2B5EF4-FFF2-40B4-BE49-F238E27FC236}">
+                <a16:creationId xmlns:a16="http://schemas.microsoft.com/office/drawing/2014/main" id="{71137387-C808-38E9-6468-D2A4A8233FFA}"/>
+              </a:ext>
+            </a:extLst>
+          </p:cNvPr>
+          <p:cNvPicPr>
+            <a:picLocks noChangeAspect="1"/>
+          </p:cNvPicPr>
+          <p:nvPr userDrawn="1"/>
+        </p:nvPicPr>
+        <p:blipFill>
+          <a:blip r:embed="rId2"/>
+          <a:stretch>
+            <a:fillRect/>
+          </a:stretch>
+        </p:blipFill>
+        <p:spPr>
+          <a:xfrm>
+            <a:off x="488948" y="6361887"/>
+            <a:ext cx="1387047" cy="397508"/>
+          </a:xfrm>
+          <a:prstGeom prst="rect">
+            <a:avLst/>
+          </a:prstGeom>
+        </p:spPr>
+      </p:pic>
     </p:spTree>
     <p:extLst>
       <p:ext uri="{BB962C8B-B14F-4D97-AF65-F5344CB8AC3E}">
         <p14:creationId xmlns:p14="http://schemas.microsoft.com/office/powerpoint/2010/main" val="4009676808"/>
-      </p:ext>
-    </p:extLst>
-  </p:cSld>
-  <p:clrMapOvr>
-    <a:masterClrMapping/>
-  </p:clrMapOvr>
-  <p:extLst>
-    <p:ext uri="{DCECCB84-F9BA-43D5-87BE-67443E8EF086}">
-      <p15:sldGuideLst xmlns:p15="http://schemas.microsoft.com/office/powerpoint/2012/main">
-        <p15:guide id="1" pos="302">
-          <p15:clr>
-            <a:srgbClr val="F26B43"/>
-          </p15:clr>
-        </p15:guide>
-      </p15:sldGuideLst>
-    </p:ext>
-  </p:extLst>
-</p:sldLayout>
-</file>
-
-<file path=ppt/slideLayouts/slideLayout5.xml><?xml version="1.0" encoding="utf-8"?>
-<p:sldLayout xmlns:a="http://schemas.openxmlformats.org/drawingml/2006/main" xmlns:r="http://schemas.openxmlformats.org/officeDocument/2006/relationships" xmlns:p="http://schemas.openxmlformats.org/presentationml/2006/main" preserve="1" userDrawn="1">
-  <p:cSld name="白紙">
-    <p:bg>
-      <p:bgPr>
-        <a:solidFill>
-          <a:schemeClr val="bg1"/>
-        </a:solidFill>
-        <a:effectLst/>
-      </p:bgPr>
-    </p:bg>
-    <p:spTree>
-      <p:nvGrpSpPr>
-        <p:cNvPr id="1" name=""/>
-        <p:cNvGrpSpPr/>
-        <p:nvPr/>
-      </p:nvGrpSpPr>
-      <p:grpSpPr>
-        <a:xfrm>
-          <a:off x="0" y="0"/>
-          <a:ext cx="0" cy="0"/>
-          <a:chOff x="0" y="0"/>
-          <a:chExt cx="0" cy="0"/>
-        </a:xfrm>
-      </p:grpSpPr>
-    </p:spTree>
-    <p:extLst>
-      <p:ext uri="{BB962C8B-B14F-4D97-AF65-F5344CB8AC3E}">
-        <p14:creationId xmlns:p14="http://schemas.microsoft.com/office/powerpoint/2010/main" val="2060422521"/>
       </p:ext>
     </p:extLst>
   </p:cSld>
@@ -1916,9 +1787,7 @@
   <p:sldLayoutIdLst>
     <p:sldLayoutId id="2147483736" r:id="rId1"/>
     <p:sldLayoutId id="2147483738" r:id="rId2"/>
-    <p:sldLayoutId id="2147483741" r:id="rId3"/>
-    <p:sldLayoutId id="2147483739" r:id="rId4"/>
-    <p:sldLayoutId id="2147483740" r:id="rId5"/>
+    <p:sldLayoutId id="2147483739" r:id="rId3"/>
   </p:sldLayoutIdLst>
   <p:hf hdr="0" ftr="0" dt="0"/>
   <p:txStyles>
@@ -2484,14 +2353,6 @@
 <file path=ppt/slides/slide1.xml><?xml version="1.0" encoding="utf-8"?>
 <p:sld xmlns:a="http://schemas.openxmlformats.org/drawingml/2006/main" xmlns:r="http://schemas.openxmlformats.org/officeDocument/2006/relationships" xmlns:p="http://schemas.openxmlformats.org/presentationml/2006/main">
   <p:cSld>
-    <p:bg>
-      <p:bgPr>
-        <a:solidFill>
-          <a:srgbClr val="8D2F43"/>
-        </a:solidFill>
-        <a:effectLst/>
-      </p:bgPr>
-    </p:bg>
     <p:spTree>
       <p:nvGrpSpPr>
         <p:cNvPr id="1" name=""/>
@@ -2508,10 +2369,35 @@
       </p:grpSpPr>
       <p:sp>
         <p:nvSpPr>
-          <p:cNvPr id="2" name="タイトル 1">
+          <p:cNvPr id="2" name="字幕 1">
             <a:extLst>
               <a:ext uri="{FF2B5EF4-FFF2-40B4-BE49-F238E27FC236}">
-                <a16:creationId xmlns:a16="http://schemas.microsoft.com/office/drawing/2014/main" id="{C6AED08E-1875-2F43-80F1-4D57794FD14C}"/>
+                <a16:creationId xmlns:a16="http://schemas.microsoft.com/office/drawing/2014/main" id="{D09393D2-8E43-4D09-79BD-EF4419D7445F}"/>
+              </a:ext>
+            </a:extLst>
+          </p:cNvPr>
+          <p:cNvSpPr>
+            <a:spLocks noGrp="1"/>
+          </p:cNvSpPr>
+          <p:nvPr>
+            <p:ph type="subTitle" idx="1"/>
+          </p:nvPr>
+        </p:nvSpPr>
+        <p:spPr/>
+        <p:txBody>
+          <a:bodyPr/>
+          <a:lstStyle/>
+          <a:p>
+            <a:endParaRPr kumimoji="1" lang="ja-JP" altLang="en-US"/>
+          </a:p>
+        </p:txBody>
+      </p:sp>
+      <p:sp>
+        <p:nvSpPr>
+          <p:cNvPr id="3" name="タイトル 2">
+            <a:extLst>
+              <a:ext uri="{FF2B5EF4-FFF2-40B4-BE49-F238E27FC236}">
+                <a16:creationId xmlns:a16="http://schemas.microsoft.com/office/drawing/2014/main" id="{2B93ACEB-C435-1765-F1E1-EE5FFDB02985}"/>
               </a:ext>
             </a:extLst>
           </p:cNvPr>
@@ -2522,240 +2408,44 @@
             <p:ph type="title"/>
           </p:nvPr>
         </p:nvSpPr>
-        <p:spPr>
-          <a:xfrm>
-            <a:off x="0" y="2193947"/>
-            <a:ext cx="12192000" cy="2470106"/>
-          </a:xfrm>
-        </p:spPr>
+        <p:spPr/>
         <p:txBody>
-          <a:bodyPr wrap="square" anchor="ctr" anchorCtr="0"/>
+          <a:bodyPr/>
           <a:lstStyle/>
           <a:p>
-            <a:pPr algn="ctr">
-              <a:lnSpc>
-                <a:spcPct val="150000"/>
-              </a:lnSpc>
-            </a:pPr>
-            <a:endParaRPr lang="ja-JP" altLang="en-US" sz="3200" dirty="0">
-              <a:solidFill>
-                <a:schemeClr val="bg1">
-                  <a:lumMod val="95000"/>
-                </a:schemeClr>
-              </a:solidFill>
-            </a:endParaRPr>
+            <a:endParaRPr kumimoji="1" lang="ja-JP" altLang="en-US"/>
           </a:p>
         </p:txBody>
       </p:sp>
       <p:sp>
         <p:nvSpPr>
-          <p:cNvPr id="7" name="コンテンツ プレースホルダー 5">
+          <p:cNvPr id="4" name="コンテンツ プレースホルダー 3">
             <a:extLst>
               <a:ext uri="{FF2B5EF4-FFF2-40B4-BE49-F238E27FC236}">
-                <a16:creationId xmlns:a16="http://schemas.microsoft.com/office/drawing/2014/main" id="{484B1FDD-10D6-4369-8F16-DA90D0911493}"/>
+                <a16:creationId xmlns:a16="http://schemas.microsoft.com/office/drawing/2014/main" id="{6C8A8EBB-C562-31F4-6150-1FEB3771A501}"/>
               </a:ext>
             </a:extLst>
           </p:cNvPr>
-          <p:cNvSpPr txBox="1">
-            <a:spLocks/>
+          <p:cNvSpPr>
+            <a:spLocks noGrp="1"/>
           </p:cNvSpPr>
-          <p:nvPr/>
+          <p:nvPr>
+            <p:ph sz="quarter" idx="10"/>
+          </p:nvPr>
         </p:nvSpPr>
-        <p:spPr>
-          <a:xfrm>
-            <a:off x="1774825" y="556260"/>
-            <a:ext cx="8642351" cy="706852"/>
-          </a:xfrm>
-          <a:prstGeom prst="rect">
-            <a:avLst/>
-          </a:prstGeom>
-        </p:spPr>
+        <p:spPr/>
         <p:txBody>
-          <a:bodyPr vert="horz" lIns="0" tIns="0" rIns="0" bIns="0" rtlCol="0" anchor="ctr" anchorCtr="0">
-            <a:normAutofit/>
-          </a:bodyPr>
-          <a:lstStyle>
-            <a:lvl1pPr marL="0" indent="0" algn="l" defTabSz="914400" rtl="0" eaLnBrk="1" latinLnBrk="0" hangingPunct="1">
-              <a:lnSpc>
-                <a:spcPct val="90000"/>
-              </a:lnSpc>
-              <a:spcBef>
-                <a:spcPct val="20000"/>
-              </a:spcBef>
-              <a:buFontTx/>
-              <a:buNone/>
-              <a:defRPr kumimoji="1" sz="2400" b="0" i="0" kern="1200">
-                <a:solidFill>
-                  <a:schemeClr val="bg1"/>
-                </a:solidFill>
-                <a:latin typeface="+mj-ea"/>
-                <a:ea typeface="+mj-ea"/>
-                <a:cs typeface="+mn-cs"/>
-              </a:defRPr>
-            </a:lvl1pPr>
-            <a:lvl2pPr marL="685800" indent="-228600" algn="l" defTabSz="914400" rtl="0" eaLnBrk="1" latinLnBrk="0" hangingPunct="1">
-              <a:lnSpc>
-                <a:spcPct val="90000"/>
-              </a:lnSpc>
-              <a:spcBef>
-                <a:spcPts val="500"/>
-              </a:spcBef>
-              <a:buFont typeface="Arial" panose="020B0604020202020204" pitchFamily="34" charset="0"/>
-              <a:buChar char="•"/>
-              <a:defRPr kumimoji="1" sz="2400" kern="1200">
-                <a:solidFill>
-                  <a:schemeClr val="tx1"/>
-                </a:solidFill>
-                <a:latin typeface="+mn-lt"/>
-                <a:ea typeface="+mn-ea"/>
-                <a:cs typeface="+mn-cs"/>
-              </a:defRPr>
-            </a:lvl2pPr>
-            <a:lvl3pPr marL="1143000" indent="-228600" algn="l" defTabSz="914400" rtl="0" eaLnBrk="1" latinLnBrk="0" hangingPunct="1">
-              <a:lnSpc>
-                <a:spcPct val="90000"/>
-              </a:lnSpc>
-              <a:spcBef>
-                <a:spcPts val="500"/>
-              </a:spcBef>
-              <a:buFont typeface="Arial" panose="020B0604020202020204" pitchFamily="34" charset="0"/>
-              <a:buChar char="•"/>
-              <a:defRPr kumimoji="1" sz="2000" kern="1200">
-                <a:solidFill>
-                  <a:schemeClr val="tx1"/>
-                </a:solidFill>
-                <a:latin typeface="+mn-lt"/>
-                <a:ea typeface="+mn-ea"/>
-                <a:cs typeface="+mn-cs"/>
-              </a:defRPr>
-            </a:lvl3pPr>
-            <a:lvl4pPr marL="1600200" indent="-228600" algn="l" defTabSz="914400" rtl="0" eaLnBrk="1" latinLnBrk="0" hangingPunct="1">
-              <a:lnSpc>
-                <a:spcPct val="90000"/>
-              </a:lnSpc>
-              <a:spcBef>
-                <a:spcPts val="500"/>
-              </a:spcBef>
-              <a:buFont typeface="Arial" panose="020B0604020202020204" pitchFamily="34" charset="0"/>
-              <a:buChar char="•"/>
-              <a:defRPr kumimoji="1" sz="1800" kern="1200">
-                <a:solidFill>
-                  <a:schemeClr val="tx1"/>
-                </a:solidFill>
-                <a:latin typeface="+mn-lt"/>
-                <a:ea typeface="+mn-ea"/>
-                <a:cs typeface="+mn-cs"/>
-              </a:defRPr>
-            </a:lvl4pPr>
-            <a:lvl5pPr marL="2057400" indent="-228600" algn="l" defTabSz="914400" rtl="0" eaLnBrk="1" latinLnBrk="0" hangingPunct="1">
-              <a:lnSpc>
-                <a:spcPct val="90000"/>
-              </a:lnSpc>
-              <a:spcBef>
-                <a:spcPts val="500"/>
-              </a:spcBef>
-              <a:buFont typeface="Arial" panose="020B0604020202020204" pitchFamily="34" charset="0"/>
-              <a:buChar char="•"/>
-              <a:defRPr kumimoji="1" sz="1800" kern="1200">
-                <a:solidFill>
-                  <a:schemeClr val="tx1"/>
-                </a:solidFill>
-                <a:latin typeface="+mn-lt"/>
-                <a:ea typeface="+mn-ea"/>
-                <a:cs typeface="+mn-cs"/>
-              </a:defRPr>
-            </a:lvl5pPr>
-            <a:lvl6pPr marL="2514600" indent="-228600" algn="l" defTabSz="914400" rtl="0" eaLnBrk="1" latinLnBrk="0" hangingPunct="1">
-              <a:lnSpc>
-                <a:spcPct val="90000"/>
-              </a:lnSpc>
-              <a:spcBef>
-                <a:spcPts val="500"/>
-              </a:spcBef>
-              <a:buFont typeface="Arial" panose="020B0604020202020204" pitchFamily="34" charset="0"/>
-              <a:buChar char="•"/>
-              <a:defRPr kumimoji="1" sz="1800" kern="1200">
-                <a:solidFill>
-                  <a:schemeClr val="tx1"/>
-                </a:solidFill>
-                <a:latin typeface="+mn-lt"/>
-                <a:ea typeface="+mn-ea"/>
-                <a:cs typeface="+mn-cs"/>
-              </a:defRPr>
-            </a:lvl6pPr>
-            <a:lvl7pPr marL="2971800" indent="-228600" algn="l" defTabSz="914400" rtl="0" eaLnBrk="1" latinLnBrk="0" hangingPunct="1">
-              <a:lnSpc>
-                <a:spcPct val="90000"/>
-              </a:lnSpc>
-              <a:spcBef>
-                <a:spcPts val="500"/>
-              </a:spcBef>
-              <a:buFont typeface="Arial" panose="020B0604020202020204" pitchFamily="34" charset="0"/>
-              <a:buChar char="•"/>
-              <a:defRPr kumimoji="1" sz="1800" kern="1200">
-                <a:solidFill>
-                  <a:schemeClr val="tx1"/>
-                </a:solidFill>
-                <a:latin typeface="+mn-lt"/>
-                <a:ea typeface="+mn-ea"/>
-                <a:cs typeface="+mn-cs"/>
-              </a:defRPr>
-            </a:lvl7pPr>
-            <a:lvl8pPr marL="3429000" indent="-228600" algn="l" defTabSz="914400" rtl="0" eaLnBrk="1" latinLnBrk="0" hangingPunct="1">
-              <a:lnSpc>
-                <a:spcPct val="90000"/>
-              </a:lnSpc>
-              <a:spcBef>
-                <a:spcPts val="500"/>
-              </a:spcBef>
-              <a:buFont typeface="Arial" panose="020B0604020202020204" pitchFamily="34" charset="0"/>
-              <a:buChar char="•"/>
-              <a:defRPr kumimoji="1" sz="1800" kern="1200">
-                <a:solidFill>
-                  <a:schemeClr val="tx1"/>
-                </a:solidFill>
-                <a:latin typeface="+mn-lt"/>
-                <a:ea typeface="+mn-ea"/>
-                <a:cs typeface="+mn-cs"/>
-              </a:defRPr>
-            </a:lvl8pPr>
-            <a:lvl9pPr marL="3886200" indent="-228600" algn="l" defTabSz="914400" rtl="0" eaLnBrk="1" latinLnBrk="0" hangingPunct="1">
-              <a:lnSpc>
-                <a:spcPct val="90000"/>
-              </a:lnSpc>
-              <a:spcBef>
-                <a:spcPts val="500"/>
-              </a:spcBef>
-              <a:buFont typeface="Arial" panose="020B0604020202020204" pitchFamily="34" charset="0"/>
-              <a:buChar char="•"/>
-              <a:defRPr kumimoji="1" sz="1800" kern="1200">
-                <a:solidFill>
-                  <a:schemeClr val="tx1"/>
-                </a:solidFill>
-                <a:latin typeface="+mn-lt"/>
-                <a:ea typeface="+mn-ea"/>
-                <a:cs typeface="+mn-cs"/>
-              </a:defRPr>
-            </a:lvl9pPr>
-          </a:lstStyle>
+          <a:bodyPr/>
+          <a:lstStyle/>
           <a:p>
-            <a:pPr algn="ctr"/>
-            <a:endParaRPr lang="ja-JP" altLang="en-US" sz="2800" b="1" dirty="0">
-              <a:solidFill>
-                <a:schemeClr val="bg1">
-                  <a:lumMod val="95000"/>
-                </a:schemeClr>
-              </a:solidFill>
-              <a:latin typeface="+mn-ea"/>
-              <a:ea typeface="+mn-ea"/>
-            </a:endParaRPr>
+            <a:endParaRPr kumimoji="1" lang="ja-JP" altLang="en-US"/>
           </a:p>
         </p:txBody>
       </p:sp>
     </p:spTree>
     <p:extLst>
       <p:ext uri="{BB962C8B-B14F-4D97-AF65-F5344CB8AC3E}">
-        <p14:creationId xmlns:p14="http://schemas.microsoft.com/office/powerpoint/2010/main" val="2131231909"/>
+        <p14:creationId xmlns:p14="http://schemas.microsoft.com/office/powerpoint/2010/main" val="947198160"/>
       </p:ext>
     </p:extLst>
   </p:cSld>
